--- a/Lecture notes/5_Publishing.pptx
+++ b/Lecture notes/5_Publishing.pptx
@@ -115,6 +115,11 @@
       </a:defRPr>
     </a:lvl9pPr>
   </p:defaultTextStyle>
+  <p:extLst>
+    <p:ext uri="{EFAFB233-063F-42B5-8137-9DF3F51BA10A}">
+      <p15:sldGuideLst xmlns:p15="http://schemas.microsoft.com/office/powerpoint/2012/main"/>
+    </p:ext>
+  </p:extLst>
 </p:presentation>
 </file>
 
@@ -200,7 +205,7 @@
           <a:p>
             <a:fld id="{0FB75A8E-964E-C346-83EF-CEEE6D493157}" type="datetimeFigureOut">
               <a:rPr lang="en-US" smtClean="0"/>
-              <a:t>9/21/23</a:t>
+              <a:t>9/22/23</a:t>
             </a:fld>
             <a:endParaRPr lang="en-US"/>
           </a:p>
@@ -1289,7 +1294,7 @@
           <a:p>
             <a:fld id="{9316F142-4191-E04D-B04A-E00E8ADADBAB}" type="datetimeFigureOut">
               <a:rPr lang="en-US" smtClean="0"/>
-              <a:t>9/21/23</a:t>
+              <a:t>9/22/23</a:t>
             </a:fld>
             <a:endParaRPr lang="en-US"/>
           </a:p>
@@ -1489,7 +1494,7 @@
           <a:p>
             <a:fld id="{9316F142-4191-E04D-B04A-E00E8ADADBAB}" type="datetimeFigureOut">
               <a:rPr lang="en-US" smtClean="0"/>
-              <a:t>9/21/23</a:t>
+              <a:t>9/22/23</a:t>
             </a:fld>
             <a:endParaRPr lang="en-US"/>
           </a:p>
@@ -1699,7 +1704,7 @@
           <a:p>
             <a:fld id="{9316F142-4191-E04D-B04A-E00E8ADADBAB}" type="datetimeFigureOut">
               <a:rPr lang="en-US" smtClean="0"/>
-              <a:t>9/21/23</a:t>
+              <a:t>9/22/23</a:t>
             </a:fld>
             <a:endParaRPr lang="en-US"/>
           </a:p>
@@ -2666,7 +2671,7 @@
           <a:p>
             <a:fld id="{9316F142-4191-E04D-B04A-E00E8ADADBAB}" type="datetimeFigureOut">
               <a:rPr lang="en-US" smtClean="0"/>
-              <a:t>9/21/23</a:t>
+              <a:t>9/22/23</a:t>
             </a:fld>
             <a:endParaRPr lang="en-US"/>
           </a:p>
@@ -2942,7 +2947,7 @@
           <a:p>
             <a:fld id="{9316F142-4191-E04D-B04A-E00E8ADADBAB}" type="datetimeFigureOut">
               <a:rPr lang="en-US" smtClean="0"/>
-              <a:t>9/21/23</a:t>
+              <a:t>9/22/23</a:t>
             </a:fld>
             <a:endParaRPr lang="en-US"/>
           </a:p>
@@ -3210,7 +3215,7 @@
           <a:p>
             <a:fld id="{9316F142-4191-E04D-B04A-E00E8ADADBAB}" type="datetimeFigureOut">
               <a:rPr lang="en-US" smtClean="0"/>
-              <a:t>9/21/23</a:t>
+              <a:t>9/22/23</a:t>
             </a:fld>
             <a:endParaRPr lang="en-US"/>
           </a:p>
@@ -3625,7 +3630,7 @@
           <a:p>
             <a:fld id="{9316F142-4191-E04D-B04A-E00E8ADADBAB}" type="datetimeFigureOut">
               <a:rPr lang="en-US" smtClean="0"/>
-              <a:t>9/21/23</a:t>
+              <a:t>9/22/23</a:t>
             </a:fld>
             <a:endParaRPr lang="en-US"/>
           </a:p>
@@ -3767,7 +3772,7 @@
           <a:p>
             <a:fld id="{9316F142-4191-E04D-B04A-E00E8ADADBAB}" type="datetimeFigureOut">
               <a:rPr lang="en-US" smtClean="0"/>
-              <a:t>9/21/23</a:t>
+              <a:t>9/22/23</a:t>
             </a:fld>
             <a:endParaRPr lang="en-US"/>
           </a:p>
@@ -3880,7 +3885,7 @@
           <a:p>
             <a:fld id="{9316F142-4191-E04D-B04A-E00E8ADADBAB}" type="datetimeFigureOut">
               <a:rPr lang="en-US" smtClean="0"/>
-              <a:t>9/21/23</a:t>
+              <a:t>9/22/23</a:t>
             </a:fld>
             <a:endParaRPr lang="en-US"/>
           </a:p>
@@ -4193,7 +4198,7 @@
           <a:p>
             <a:fld id="{9316F142-4191-E04D-B04A-E00E8ADADBAB}" type="datetimeFigureOut">
               <a:rPr lang="en-US" smtClean="0"/>
-              <a:t>9/21/23</a:t>
+              <a:t>9/22/23</a:t>
             </a:fld>
             <a:endParaRPr lang="en-US"/>
           </a:p>
@@ -4482,7 +4487,7 @@
           <a:p>
             <a:fld id="{9316F142-4191-E04D-B04A-E00E8ADADBAB}" type="datetimeFigureOut">
               <a:rPr lang="en-US" smtClean="0"/>
-              <a:t>9/21/23</a:t>
+              <a:t>9/22/23</a:t>
             </a:fld>
             <a:endParaRPr lang="en-US"/>
           </a:p>
@@ -4725,7 +4730,7 @@
           <a:p>
             <a:fld id="{9316F142-4191-E04D-B04A-E00E8ADADBAB}" type="datetimeFigureOut">
               <a:rPr lang="en-US" smtClean="0"/>
-              <a:t>9/21/23</a:t>
+              <a:t>9/22/23</a:t>
             </a:fld>
             <a:endParaRPr lang="en-US"/>
           </a:p>
@@ -5915,7 +5920,7 @@
         <p:spPr>
           <a:xfrm>
             <a:off x="503659" y="1378381"/>
-            <a:ext cx="11176000" cy="4708981"/>
+            <a:ext cx="11176000" cy="5016758"/>
           </a:xfrm>
           <a:prstGeom prst="rect">
             <a:avLst/>
@@ -5973,19 +5978,7 @@
               <a:rPr lang="en-GB" sz="2000" dirty="0">
                 <a:effectLst/>
               </a:rPr>
-              <a:t>: Maintain your pipeline publicly on </a:t>
-            </a:r>
-            <a:r>
-              <a:rPr lang="en-GB" sz="2000" dirty="0" err="1">
-                <a:effectLst/>
-              </a:rPr>
-              <a:t>Github</a:t>
-            </a:r>
-            <a:r>
-              <a:rPr lang="en-GB" sz="2000" dirty="0">
-                <a:effectLst/>
-              </a:rPr>
-              <a:t> under a permissive licence. This is an important level as it now means other can extend and fork your work. However, one limitation of level 2 is that most potential users of your pipeline might not be interested in your code, they just want to use your pipeline rather than extend it.</a:t>
+              <a:t>: Maintain your pipeline publicly on GitHub under a permissive licence. This is an important level as it now means other can extend and fork your work. However, one limitation of level 2 is that most potential users of your pipeline might not be interested in your code, they just want to use your pipeline rather than extend it.</a:t>
             </a:r>
           </a:p>
           <a:p>
@@ -6076,7 +6069,7 @@
             </a:r>
             <a:r>
               <a:rPr lang="en-GB" sz="2000" dirty="0"/>
-              <a:t>: Publish your pipeline or software in a software-specific journal like the Journal for Open Source Software (JOSS). This has the obvious advantage of being an actual citable paper.</a:t>
+              <a:t>: All of the above, and publish your pipeline or software in a software-specific journal like the Journal for Open Source Software (JOSS). This has the obvious advantage of being an actual citable paper.</a:t>
             </a:r>
           </a:p>
           <a:p>
@@ -6516,7 +6509,7 @@
               <a:rPr lang="en-GB" sz="2000" dirty="0">
                 <a:effectLst/>
               </a:rPr>
-              <a:t>It also provides a wiki mechanisms for others to extend the documentation and easily update it. </a:t>
+              <a:t>It also provides wiki mechanisms for others to extend the documentation and easily update it. </a:t>
             </a:r>
           </a:p>
           <a:p>
@@ -6633,19 +6626,7 @@
               <a:rPr lang="en-GB" sz="2000" dirty="0">
                 <a:effectLst/>
               </a:rPr>
-              <a:t>You may also want to make your models or </a:t>
-            </a:r>
-            <a:r>
-              <a:rPr lang="en-GB" sz="2000">
-                <a:effectLst/>
-              </a:rPr>
-              <a:t>datasets publicly </a:t>
-            </a:r>
-            <a:r>
-              <a:rPr lang="en-GB" sz="2000" dirty="0">
-                <a:effectLst/>
-              </a:rPr>
-              <a:t>or privately available for commercial purposes or for restricted access.</a:t>
+              <a:t>You may also want to make your models or datasets publicly or privately available for commercial purposes or for restricted access.</a:t>
             </a:r>
           </a:p>
           <a:p>
@@ -6700,7 +6681,7 @@
               <a:rPr lang="en-GB" sz="2000" dirty="0">
                 <a:effectLst/>
               </a:rPr>
-              <a:t>Deploy your pipeline on the cloud so that others can use it without even installing it or deploying it themselves. For example they can use it via API calls where they just provide the data and the then can download the pipelined data from a file storage.</a:t>
+              <a:t>Deploy your pipeline on the cloud so that others can use it without even installing it or deploying it themselves. For example, they can use it via API calls where they just provide the data and the then can download the pipelined data from a file storage.</a:t>
             </a:r>
           </a:p>
         </p:txBody>
